--- a/Vulnerability Remediation Workflow.pptx
+++ b/Vulnerability Remediation Workflow.pptx
@@ -14,7 +14,13 @@
     <p:sldId id="262" r:id="rId8"/>
     <p:sldId id="263" r:id="rId9"/>
     <p:sldId id="264" r:id="rId10"/>
-    <p:sldId id="265" r:id="rId11"/>
+    <p:sldId id="266" r:id="rId11"/>
+    <p:sldId id="267" r:id="rId12"/>
+    <p:sldId id="269" r:id="rId13"/>
+    <p:sldId id="270" r:id="rId14"/>
+    <p:sldId id="272" r:id="rId15"/>
+    <p:sldId id="274" r:id="rId16"/>
+    <p:sldId id="265" r:id="rId17"/>
   </p:sldIdLst>
   <p:sldSz cx="12192000" cy="6858000"/>
   <p:notesSz cx="6858000" cy="9144000"/>
@@ -113,6 +119,11 @@
       </a:defRPr>
     </a:lvl9pPr>
   </p:defaultTextStyle>
+  <p:extLst>
+    <p:ext uri="{EFAFB233-063F-42B5-8137-9DF3F51BA10A}">
+      <p15:sldGuideLst xmlns:p15="http://schemas.microsoft.com/office/powerpoint/2012/main"/>
+    </p:ext>
+  </p:extLst>
 </p:presentation>
 </file>
 
@@ -263,7 +274,7 @@
           <a:p>
             <a:fld id="{2D8733AC-288E-4616-B739-F0FC8F71C60F}" type="datetimeFigureOut">
               <a:rPr lang="en-US" smtClean="0"/>
-              <a:t>7/21/2025</a:t>
+              <a:t>7/23/2025</a:t>
             </a:fld>
             <a:endParaRPr lang="en-US"/>
           </a:p>
@@ -461,7 +472,7 @@
           <a:p>
             <a:fld id="{2D8733AC-288E-4616-B739-F0FC8F71C60F}" type="datetimeFigureOut">
               <a:rPr lang="en-US" smtClean="0"/>
-              <a:t>7/21/2025</a:t>
+              <a:t>7/23/2025</a:t>
             </a:fld>
             <a:endParaRPr lang="en-US"/>
           </a:p>
@@ -669,7 +680,7 @@
           <a:p>
             <a:fld id="{2D8733AC-288E-4616-B739-F0FC8F71C60F}" type="datetimeFigureOut">
               <a:rPr lang="en-US" smtClean="0"/>
-              <a:t>7/21/2025</a:t>
+              <a:t>7/23/2025</a:t>
             </a:fld>
             <a:endParaRPr lang="en-US"/>
           </a:p>
@@ -867,7 +878,7 @@
           <a:p>
             <a:fld id="{2D8733AC-288E-4616-B739-F0FC8F71C60F}" type="datetimeFigureOut">
               <a:rPr lang="en-US" smtClean="0"/>
-              <a:t>7/21/2025</a:t>
+              <a:t>7/23/2025</a:t>
             </a:fld>
             <a:endParaRPr lang="en-US"/>
           </a:p>
@@ -1142,7 +1153,7 @@
           <a:p>
             <a:fld id="{2D8733AC-288E-4616-B739-F0FC8F71C60F}" type="datetimeFigureOut">
               <a:rPr lang="en-US" smtClean="0"/>
-              <a:t>7/21/2025</a:t>
+              <a:t>7/23/2025</a:t>
             </a:fld>
             <a:endParaRPr lang="en-US"/>
           </a:p>
@@ -1407,7 +1418,7 @@
           <a:p>
             <a:fld id="{2D8733AC-288E-4616-B739-F0FC8F71C60F}" type="datetimeFigureOut">
               <a:rPr lang="en-US" smtClean="0"/>
-              <a:t>7/21/2025</a:t>
+              <a:t>7/23/2025</a:t>
             </a:fld>
             <a:endParaRPr lang="en-US"/>
           </a:p>
@@ -1819,7 +1830,7 @@
           <a:p>
             <a:fld id="{2D8733AC-288E-4616-B739-F0FC8F71C60F}" type="datetimeFigureOut">
               <a:rPr lang="en-US" smtClean="0"/>
-              <a:t>7/21/2025</a:t>
+              <a:t>7/23/2025</a:t>
             </a:fld>
             <a:endParaRPr lang="en-US"/>
           </a:p>
@@ -1960,7 +1971,7 @@
           <a:p>
             <a:fld id="{2D8733AC-288E-4616-B739-F0FC8F71C60F}" type="datetimeFigureOut">
               <a:rPr lang="en-US" smtClean="0"/>
-              <a:t>7/21/2025</a:t>
+              <a:t>7/23/2025</a:t>
             </a:fld>
             <a:endParaRPr lang="en-US"/>
           </a:p>
@@ -2073,7 +2084,7 @@
           <a:p>
             <a:fld id="{2D8733AC-288E-4616-B739-F0FC8F71C60F}" type="datetimeFigureOut">
               <a:rPr lang="en-US" smtClean="0"/>
-              <a:t>7/21/2025</a:t>
+              <a:t>7/23/2025</a:t>
             </a:fld>
             <a:endParaRPr lang="en-US"/>
           </a:p>
@@ -2384,7 +2395,7 @@
           <a:p>
             <a:fld id="{2D8733AC-288E-4616-B739-F0FC8F71C60F}" type="datetimeFigureOut">
               <a:rPr lang="en-US" smtClean="0"/>
-              <a:t>7/21/2025</a:t>
+              <a:t>7/23/2025</a:t>
             </a:fld>
             <a:endParaRPr lang="en-US"/>
           </a:p>
@@ -2672,7 +2683,7 @@
           <a:p>
             <a:fld id="{2D8733AC-288E-4616-B739-F0FC8F71C60F}" type="datetimeFigureOut">
               <a:rPr lang="en-US" smtClean="0"/>
-              <a:t>7/21/2025</a:t>
+              <a:t>7/23/2025</a:t>
             </a:fld>
             <a:endParaRPr lang="en-US"/>
           </a:p>
@@ -2913,7 +2924,7 @@
           <a:p>
             <a:fld id="{2D8733AC-288E-4616-B739-F0FC8F71C60F}" type="datetimeFigureOut">
               <a:rPr lang="en-US" smtClean="0"/>
-              <a:t>7/21/2025</a:t>
+              <a:t>7/23/2025</a:t>
             </a:fld>
             <a:endParaRPr lang="en-US"/>
           </a:p>
@@ -3421,6 +3432,1632 @@
           <p:cNvPr id="2" name="Title 1">
             <a:extLst>
               <a:ext uri="{FF2B5EF4-FFF2-40B4-BE49-F238E27FC236}">
+                <a16:creationId xmlns:a16="http://schemas.microsoft.com/office/drawing/2014/main" id="{5E78EB51-6A3B-4484-8D92-729F80750989}"/>
+              </a:ext>
+            </a:extLst>
+          </p:cNvPr>
+          <p:cNvSpPr>
+            <a:spLocks noGrp="1"/>
+          </p:cNvSpPr>
+          <p:nvPr>
+            <p:ph type="title"/>
+          </p:nvPr>
+        </p:nvSpPr>
+        <p:spPr/>
+        <p:txBody>
+          <a:bodyPr/>
+          <a:lstStyle/>
+          <a:p>
+            <a:r>
+              <a:rPr lang="en-US" dirty="0"/>
+              <a:t>Tools Analysis - Semgrep + Snyk: Coverage &amp; Autofix Capability</a:t>
+            </a:r>
+          </a:p>
+        </p:txBody>
+      </p:sp>
+      <p:graphicFrame>
+        <p:nvGraphicFramePr>
+          <p:cNvPr id="5" name="Table 5">
+            <a:extLst>
+              <a:ext uri="{FF2B5EF4-FFF2-40B4-BE49-F238E27FC236}">
+                <a16:creationId xmlns:a16="http://schemas.microsoft.com/office/drawing/2014/main" id="{2865681F-96B5-4A8E-BB87-91430367AB29}"/>
+              </a:ext>
+            </a:extLst>
+          </p:cNvPr>
+          <p:cNvGraphicFramePr>
+            <a:graphicFrameLocks noGrp="1"/>
+          </p:cNvGraphicFramePr>
+          <p:nvPr>
+            <p:extLst>
+              <p:ext uri="{D42A27DB-BD31-4B8C-83A1-F6EECF244321}">
+                <p14:modId xmlns:p14="http://schemas.microsoft.com/office/powerpoint/2010/main" val="2629234139"/>
+              </p:ext>
+            </p:extLst>
+          </p:nvPr>
+        </p:nvGraphicFramePr>
+        <p:xfrm>
+          <a:off x="856647" y="1690687"/>
+          <a:ext cx="10809171" cy="5288656"/>
+        </p:xfrm>
+        <a:graphic>
+          <a:graphicData uri="http://schemas.openxmlformats.org/drawingml/2006/table">
+            <a:tbl>
+              <a:tblPr firstRow="1" bandRow="1">
+                <a:tableStyleId>{5C22544A-7EE6-4342-B048-85BDC9FD1C3A}</a:tableStyleId>
+              </a:tblPr>
+              <a:tblGrid>
+                <a:gridCol w="2145927">
+                  <a:extLst>
+                    <a:ext uri="{9D8B030D-6E8A-4147-A177-3AD203B41FA5}">
+                      <a16:colId xmlns:a16="http://schemas.microsoft.com/office/drawing/2014/main" val="2388394292"/>
+                    </a:ext>
+                  </a:extLst>
+                </a:gridCol>
+                <a:gridCol w="1415422">
+                  <a:extLst>
+                    <a:ext uri="{9D8B030D-6E8A-4147-A177-3AD203B41FA5}">
+                      <a16:colId xmlns:a16="http://schemas.microsoft.com/office/drawing/2014/main" val="2855229676"/>
+                    </a:ext>
+                  </a:extLst>
+                </a:gridCol>
+                <a:gridCol w="1251284">
+                  <a:extLst>
+                    <a:ext uri="{9D8B030D-6E8A-4147-A177-3AD203B41FA5}">
+                      <a16:colId xmlns:a16="http://schemas.microsoft.com/office/drawing/2014/main" val="2367861778"/>
+                    </a:ext>
+                  </a:extLst>
+                </a:gridCol>
+                <a:gridCol w="1819175">
+                  <a:extLst>
+                    <a:ext uri="{9D8B030D-6E8A-4147-A177-3AD203B41FA5}">
+                      <a16:colId xmlns:a16="http://schemas.microsoft.com/office/drawing/2014/main" val="534620598"/>
+                    </a:ext>
+                  </a:extLst>
+                </a:gridCol>
+                <a:gridCol w="4177363">
+                  <a:extLst>
+                    <a:ext uri="{9D8B030D-6E8A-4147-A177-3AD203B41FA5}">
+                      <a16:colId xmlns:a16="http://schemas.microsoft.com/office/drawing/2014/main" val="1068761262"/>
+                    </a:ext>
+                  </a:extLst>
+                </a:gridCol>
+              </a:tblGrid>
+              <a:tr h="1288798">
+                <a:tc>
+                  <a:txBody>
+                    <a:bodyPr/>
+                    <a:lstStyle/>
+                    <a:p>
+                      <a:pPr marL="0" marR="0" lvl="0" indent="0" algn="l" defTabSz="914400" rtl="0" eaLnBrk="1" fontAlgn="auto" latinLnBrk="0" hangingPunct="1">
+                        <a:lnSpc>
+                          <a:spcPct val="100000"/>
+                        </a:lnSpc>
+                        <a:spcBef>
+                          <a:spcPts val="0"/>
+                        </a:spcBef>
+                        <a:spcAft>
+                          <a:spcPts val="0"/>
+                        </a:spcAft>
+                        <a:buClrTx/>
+                        <a:buSzTx/>
+                        <a:buFontTx/>
+                        <a:buNone/>
+                        <a:tabLst/>
+                        <a:defRPr/>
+                      </a:pPr>
+                      <a:r>
+                        <a:rPr lang="en-US" dirty="0"/>
+                        <a:t>Vulnerability Type</a:t>
+                      </a:r>
+                    </a:p>
+                    <a:p>
+                      <a:endParaRPr lang="en-US" dirty="0"/>
+                    </a:p>
+                  </a:txBody>
+                  <a:tcPr/>
+                </a:tc>
+                <a:tc>
+                  <a:txBody>
+                    <a:bodyPr/>
+                    <a:lstStyle/>
+                    <a:p>
+                      <a:r>
+                        <a:rPr lang="en-US" dirty="0"/>
+                        <a:t>Snyc</a:t>
+                      </a:r>
+                    </a:p>
+                  </a:txBody>
+                  <a:tcPr/>
+                </a:tc>
+                <a:tc>
+                  <a:txBody>
+                    <a:bodyPr/>
+                    <a:lstStyle/>
+                    <a:p>
+                      <a:r>
+                        <a:rPr lang="en-US" dirty="0"/>
+                        <a:t>Semgrep</a:t>
+                      </a:r>
+                    </a:p>
+                  </a:txBody>
+                  <a:tcPr/>
+                </a:tc>
+                <a:tc>
+                  <a:txBody>
+                    <a:bodyPr/>
+                    <a:lstStyle/>
+                    <a:p>
+                      <a:r>
+                        <a:rPr lang="en-US" dirty="0"/>
+                        <a:t>Autofix Support</a:t>
+                      </a:r>
+                    </a:p>
+                  </a:txBody>
+                  <a:tcPr/>
+                </a:tc>
+                <a:tc>
+                  <a:txBody>
+                    <a:bodyPr/>
+                    <a:lstStyle/>
+                    <a:p>
+                      <a:r>
+                        <a:rPr lang="en-US" dirty="0"/>
+                        <a:t>Notes</a:t>
+                      </a:r>
+                    </a:p>
+                  </a:txBody>
+                  <a:tcPr/>
+                </a:tc>
+                <a:extLst>
+                  <a:ext uri="{0D108BD9-81ED-4DB2-BD59-A6C34878D82A}">
+                    <a16:rowId xmlns:a16="http://schemas.microsoft.com/office/drawing/2014/main" val="2063223445"/>
+                  </a:ext>
+                </a:extLst>
+              </a:tr>
+              <a:tr h="896322">
+                <a:tc>
+                  <a:txBody>
+                    <a:bodyPr/>
+                    <a:lstStyle/>
+                    <a:p>
+                      <a:pPr marL="0" marR="0" lvl="0" indent="0" algn="l" defTabSz="914400" rtl="0" eaLnBrk="1" fontAlgn="auto" latinLnBrk="0" hangingPunct="1">
+                        <a:lnSpc>
+                          <a:spcPct val="100000"/>
+                        </a:lnSpc>
+                        <a:spcBef>
+                          <a:spcPts val="0"/>
+                        </a:spcBef>
+                        <a:spcAft>
+                          <a:spcPts val="0"/>
+                        </a:spcAft>
+                        <a:buClrTx/>
+                        <a:buSzTx/>
+                        <a:buFontTx/>
+                        <a:buNone/>
+                        <a:tabLst/>
+                        <a:defRPr/>
+                      </a:pPr>
+                      <a:r>
+                        <a:rPr lang="en-US" dirty="0"/>
+                        <a:t>Known CVEs in Dependencies</a:t>
+                      </a:r>
+                    </a:p>
+                    <a:p>
+                      <a:endParaRPr lang="en-US" dirty="0"/>
+                    </a:p>
+                  </a:txBody>
+                  <a:tcPr/>
+                </a:tc>
+                <a:tc>
+                  <a:txBody>
+                    <a:bodyPr/>
+                    <a:lstStyle/>
+                    <a:p>
+                      <a:r>
+                        <a:rPr lang="en-US" dirty="0"/>
+                        <a:t>Yes</a:t>
+                      </a:r>
+                    </a:p>
+                  </a:txBody>
+                  <a:tcPr/>
+                </a:tc>
+                <a:tc>
+                  <a:txBody>
+                    <a:bodyPr/>
+                    <a:lstStyle/>
+                    <a:p>
+                      <a:r>
+                        <a:rPr lang="en-US" dirty="0"/>
+                        <a:t>No</a:t>
+                      </a:r>
+                    </a:p>
+                  </a:txBody>
+                  <a:tcPr/>
+                </a:tc>
+                <a:tc>
+                  <a:txBody>
+                    <a:bodyPr/>
+                    <a:lstStyle/>
+                    <a:p>
+                      <a:r>
+                        <a:rPr lang="en-US" dirty="0"/>
+                        <a:t>Yes</a:t>
+                      </a:r>
+                    </a:p>
+                  </a:txBody>
+                  <a:tcPr/>
+                </a:tc>
+                <a:tc>
+                  <a:txBody>
+                    <a:bodyPr/>
+                    <a:lstStyle/>
+                    <a:p>
+                      <a:r>
+                        <a:rPr lang="en-US" dirty="0"/>
+                        <a:t>Maven, Gradle, </a:t>
+                      </a:r>
+                      <a:r>
+                        <a:rPr lang="en-US" dirty="0" err="1"/>
+                        <a:t>npm</a:t>
+                      </a:r>
+                      <a:r>
+                        <a:rPr lang="en-US" dirty="0"/>
+                        <a:t>, pip</a:t>
+                      </a:r>
+                    </a:p>
+                  </a:txBody>
+                  <a:tcPr/>
+                </a:tc>
+                <a:extLst>
+                  <a:ext uri="{0D108BD9-81ED-4DB2-BD59-A6C34878D82A}">
+                    <a16:rowId xmlns:a16="http://schemas.microsoft.com/office/drawing/2014/main" val="80039975"/>
+                  </a:ext>
+                </a:extLst>
+              </a:tr>
+              <a:tr h="1165218">
+                <a:tc>
+                  <a:txBody>
+                    <a:bodyPr/>
+                    <a:lstStyle/>
+                    <a:p>
+                      <a:r>
+                        <a:rPr lang="en-US" dirty="0"/>
+                        <a:t>IaC (Terraform, K8s)</a:t>
+                      </a:r>
+                    </a:p>
+                  </a:txBody>
+                  <a:tcPr/>
+                </a:tc>
+                <a:tc>
+                  <a:txBody>
+                    <a:bodyPr/>
+                    <a:lstStyle/>
+                    <a:p>
+                      <a:r>
+                        <a:rPr lang="en-US" dirty="0"/>
+                        <a:t>Yes</a:t>
+                      </a:r>
+                    </a:p>
+                  </a:txBody>
+                  <a:tcPr/>
+                </a:tc>
+                <a:tc>
+                  <a:txBody>
+                    <a:bodyPr/>
+                    <a:lstStyle/>
+                    <a:p>
+                      <a:r>
+                        <a:rPr lang="en-US" dirty="0"/>
+                        <a:t>Yes</a:t>
+                      </a:r>
+                    </a:p>
+                  </a:txBody>
+                  <a:tcPr/>
+                </a:tc>
+                <a:tc>
+                  <a:txBody>
+                    <a:bodyPr/>
+                    <a:lstStyle/>
+                    <a:p>
+                      <a:r>
+                        <a:rPr lang="en-US" dirty="0"/>
+                        <a:t>Both(Partial)</a:t>
+                      </a:r>
+                    </a:p>
+                  </a:txBody>
+                  <a:tcPr/>
+                </a:tc>
+                <a:tc>
+                  <a:txBody>
+                    <a:bodyPr/>
+                    <a:lstStyle/>
+                    <a:p>
+                      <a:r>
+                        <a:rPr lang="en-US" dirty="0"/>
+                        <a:t>Snyc good at terraform</a:t>
+                      </a:r>
+                    </a:p>
+                    <a:p>
+                      <a:r>
+                        <a:rPr lang="en-US" dirty="0"/>
+                        <a:t>Semgrep strong with K8s and YAML</a:t>
+                      </a:r>
+                    </a:p>
+                  </a:txBody>
+                  <a:tcPr/>
+                </a:tc>
+                <a:extLst>
+                  <a:ext uri="{0D108BD9-81ED-4DB2-BD59-A6C34878D82A}">
+                    <a16:rowId xmlns:a16="http://schemas.microsoft.com/office/drawing/2014/main" val="1195742708"/>
+                  </a:ext>
+                </a:extLst>
+              </a:tr>
+              <a:tr h="515519">
+                <a:tc>
+                  <a:txBody>
+                    <a:bodyPr/>
+                    <a:lstStyle/>
+                    <a:p>
+                      <a:r>
+                        <a:rPr lang="en-US" dirty="0"/>
+                        <a:t>Code-level Bugs (SAST)</a:t>
+                      </a:r>
+                    </a:p>
+                  </a:txBody>
+                  <a:tcPr/>
+                </a:tc>
+                <a:tc>
+                  <a:txBody>
+                    <a:bodyPr/>
+                    <a:lstStyle/>
+                    <a:p>
+                      <a:r>
+                        <a:rPr lang="en-US" dirty="0"/>
+                        <a:t>Partial</a:t>
+                      </a:r>
+                    </a:p>
+                  </a:txBody>
+                  <a:tcPr/>
+                </a:tc>
+                <a:tc>
+                  <a:txBody>
+                    <a:bodyPr/>
+                    <a:lstStyle/>
+                    <a:p>
+                      <a:r>
+                        <a:rPr lang="en-US" dirty="0"/>
+                        <a:t>Strong</a:t>
+                      </a:r>
+                    </a:p>
+                  </a:txBody>
+                  <a:tcPr/>
+                </a:tc>
+                <a:tc>
+                  <a:txBody>
+                    <a:bodyPr/>
+                    <a:lstStyle/>
+                    <a:p>
+                      <a:r>
+                        <a:rPr lang="en-US" dirty="0"/>
+                        <a:t>Yes(Java, JS..)</a:t>
+                      </a:r>
+                    </a:p>
+                  </a:txBody>
+                  <a:tcPr/>
+                </a:tc>
+                <a:tc>
+                  <a:txBody>
+                    <a:bodyPr/>
+                    <a:lstStyle/>
+                    <a:p>
+                      <a:r>
+                        <a:rPr lang="en-US" dirty="0"/>
+                        <a:t>Semgrep + JavaParser for Java; flexible rule-based scanning</a:t>
+                      </a:r>
+                    </a:p>
+                  </a:txBody>
+                  <a:tcPr/>
+                </a:tc>
+                <a:extLst>
+                  <a:ext uri="{0D108BD9-81ED-4DB2-BD59-A6C34878D82A}">
+                    <a16:rowId xmlns:a16="http://schemas.microsoft.com/office/drawing/2014/main" val="1217287948"/>
+                  </a:ext>
+                </a:extLst>
+              </a:tr>
+              <a:tr h="515519">
+                <a:tc>
+                  <a:txBody>
+                    <a:bodyPr/>
+                    <a:lstStyle/>
+                    <a:p>
+                      <a:r>
+                        <a:rPr lang="en-US" dirty="0"/>
+                        <a:t>Secrets Detection</a:t>
+                      </a:r>
+                    </a:p>
+                  </a:txBody>
+                  <a:tcPr/>
+                </a:tc>
+                <a:tc>
+                  <a:txBody>
+                    <a:bodyPr/>
+                    <a:lstStyle/>
+                    <a:p>
+                      <a:r>
+                        <a:rPr lang="en-US" dirty="0"/>
+                        <a:t>Basic</a:t>
+                      </a:r>
+                    </a:p>
+                  </a:txBody>
+                  <a:tcPr/>
+                </a:tc>
+                <a:tc>
+                  <a:txBody>
+                    <a:bodyPr/>
+                    <a:lstStyle/>
+                    <a:p>
+                      <a:r>
+                        <a:rPr lang="en-US" dirty="0"/>
+                        <a:t>Good</a:t>
+                      </a:r>
+                    </a:p>
+                  </a:txBody>
+                  <a:tcPr/>
+                </a:tc>
+                <a:tc>
+                  <a:txBody>
+                    <a:bodyPr/>
+                    <a:lstStyle/>
+                    <a:p>
+                      <a:r>
+                        <a:rPr lang="en-US" dirty="0"/>
+                        <a:t>No</a:t>
+                      </a:r>
+                    </a:p>
+                  </a:txBody>
+                  <a:tcPr/>
+                </a:tc>
+                <a:tc>
+                  <a:txBody>
+                    <a:bodyPr/>
+                    <a:lstStyle/>
+                    <a:p>
+                      <a:r>
+                        <a:rPr lang="en-US" dirty="0"/>
+                        <a:t>Semgrep rules more customizable; Snyk basic beta support</a:t>
+                      </a:r>
+                    </a:p>
+                  </a:txBody>
+                  <a:tcPr/>
+                </a:tc>
+                <a:extLst>
+                  <a:ext uri="{0D108BD9-81ED-4DB2-BD59-A6C34878D82A}">
+                    <a16:rowId xmlns:a16="http://schemas.microsoft.com/office/drawing/2014/main" val="3383003494"/>
+                  </a:ext>
+                </a:extLst>
+              </a:tr>
+              <a:tr h="515519">
+                <a:tc>
+                  <a:txBody>
+                    <a:bodyPr/>
+                    <a:lstStyle/>
+                    <a:p>
+                      <a:r>
+                        <a:rPr lang="en-US" dirty="0"/>
+                        <a:t>Autofix Support</a:t>
+                      </a:r>
+                    </a:p>
+                  </a:txBody>
+                  <a:tcPr/>
+                </a:tc>
+                <a:tc>
+                  <a:txBody>
+                    <a:bodyPr/>
+                    <a:lstStyle/>
+                    <a:p>
+                      <a:r>
+                        <a:rPr lang="en-US" dirty="0"/>
+                        <a:t>Yes</a:t>
+                      </a:r>
+                    </a:p>
+                  </a:txBody>
+                  <a:tcPr/>
+                </a:tc>
+                <a:tc>
+                  <a:txBody>
+                    <a:bodyPr/>
+                    <a:lstStyle/>
+                    <a:p>
+                      <a:r>
+                        <a:rPr lang="en-US" dirty="0"/>
+                        <a:t>Yes</a:t>
+                      </a:r>
+                    </a:p>
+                  </a:txBody>
+                  <a:tcPr/>
+                </a:tc>
+                <a:tc>
+                  <a:txBody>
+                    <a:bodyPr/>
+                    <a:lstStyle/>
+                    <a:p>
+                      <a:r>
+                        <a:rPr lang="en-US" dirty="0"/>
+                        <a:t>PR based fixes</a:t>
+                      </a:r>
+                    </a:p>
+                  </a:txBody>
+                  <a:tcPr/>
+                </a:tc>
+                <a:tc>
+                  <a:txBody>
+                    <a:bodyPr/>
+                    <a:lstStyle/>
+                    <a:p>
+                      <a:r>
+                        <a:rPr lang="en-US" dirty="0"/>
+                        <a:t>Both tools support auto-PR creation for fixes with review</a:t>
+                      </a:r>
+                    </a:p>
+                  </a:txBody>
+                  <a:tcPr/>
+                </a:tc>
+                <a:extLst>
+                  <a:ext uri="{0D108BD9-81ED-4DB2-BD59-A6C34878D82A}">
+                    <a16:rowId xmlns:a16="http://schemas.microsoft.com/office/drawing/2014/main" val="1633861180"/>
+                  </a:ext>
+                </a:extLst>
+              </a:tr>
+            </a:tbl>
+          </a:graphicData>
+        </a:graphic>
+      </p:graphicFrame>
+    </p:spTree>
+    <p:extLst>
+      <p:ext uri="{BB962C8B-B14F-4D97-AF65-F5344CB8AC3E}">
+        <p14:creationId xmlns:p14="http://schemas.microsoft.com/office/powerpoint/2010/main" val="991778246"/>
+      </p:ext>
+    </p:extLst>
+  </p:cSld>
+  <p:clrMapOvr>
+    <a:masterClrMapping/>
+  </p:clrMapOvr>
+</p:sld>
+</file>
+
+<file path=ppt/slides/slide11.xml><?xml version="1.0" encoding="utf-8"?>
+<p:sld xmlns:a="http://schemas.openxmlformats.org/drawingml/2006/main" xmlns:r="http://schemas.openxmlformats.org/officeDocument/2006/relationships" xmlns:p="http://schemas.openxmlformats.org/presentationml/2006/main">
+  <p:cSld>
+    <p:spTree>
+      <p:nvGrpSpPr>
+        <p:cNvPr id="1" name=""/>
+        <p:cNvGrpSpPr/>
+        <p:nvPr/>
+      </p:nvGrpSpPr>
+      <p:grpSpPr>
+        <a:xfrm>
+          <a:off x="0" y="0"/>
+          <a:ext cx="0" cy="0"/>
+          <a:chOff x="0" y="0"/>
+          <a:chExt cx="0" cy="0"/>
+        </a:xfrm>
+      </p:grpSpPr>
+      <p:sp>
+        <p:nvSpPr>
+          <p:cNvPr id="2" name="Title 1">
+            <a:extLst>
+              <a:ext uri="{FF2B5EF4-FFF2-40B4-BE49-F238E27FC236}">
+                <a16:creationId xmlns:a16="http://schemas.microsoft.com/office/drawing/2014/main" id="{F1E6EDD5-B749-4EE4-AC43-38ABE8C5D68B}"/>
+              </a:ext>
+            </a:extLst>
+          </p:cNvPr>
+          <p:cNvSpPr>
+            <a:spLocks noGrp="1"/>
+          </p:cNvSpPr>
+          <p:nvPr>
+            <p:ph type="title"/>
+          </p:nvPr>
+        </p:nvSpPr>
+        <p:spPr/>
+        <p:txBody>
+          <a:bodyPr/>
+          <a:lstStyle/>
+          <a:p>
+            <a:r>
+              <a:rPr lang="en-US" dirty="0"/>
+              <a:t>Semgrep &amp; Snyc Complement Each Other</a:t>
+            </a:r>
+          </a:p>
+        </p:txBody>
+      </p:sp>
+      <p:graphicFrame>
+        <p:nvGraphicFramePr>
+          <p:cNvPr id="4" name="Table 4">
+            <a:extLst>
+              <a:ext uri="{FF2B5EF4-FFF2-40B4-BE49-F238E27FC236}">
+                <a16:creationId xmlns:a16="http://schemas.microsoft.com/office/drawing/2014/main" id="{A3F88CE5-848B-4A54-ADE5-4B06246DB77C}"/>
+              </a:ext>
+            </a:extLst>
+          </p:cNvPr>
+          <p:cNvGraphicFramePr>
+            <a:graphicFrameLocks noGrp="1"/>
+          </p:cNvGraphicFramePr>
+          <p:nvPr>
+            <p:ph idx="1"/>
+            <p:extLst>
+              <p:ext uri="{D42A27DB-BD31-4B8C-83A1-F6EECF244321}">
+                <p14:modId xmlns:p14="http://schemas.microsoft.com/office/powerpoint/2010/main" val="3847458544"/>
+              </p:ext>
+            </p:extLst>
+          </p:nvPr>
+        </p:nvGraphicFramePr>
+        <p:xfrm>
+          <a:off x="838200" y="1825625"/>
+          <a:ext cx="10515600" cy="3403600"/>
+        </p:xfrm>
+        <a:graphic>
+          <a:graphicData uri="http://schemas.openxmlformats.org/drawingml/2006/table">
+            <a:tbl>
+              <a:tblPr firstRow="1" bandRow="1">
+                <a:tableStyleId>{5C22544A-7EE6-4342-B048-85BDC9FD1C3A}</a:tableStyleId>
+              </a:tblPr>
+              <a:tblGrid>
+                <a:gridCol w="3505200">
+                  <a:extLst>
+                    <a:ext uri="{9D8B030D-6E8A-4147-A177-3AD203B41FA5}">
+                      <a16:colId xmlns:a16="http://schemas.microsoft.com/office/drawing/2014/main" val="1183384701"/>
+                    </a:ext>
+                  </a:extLst>
+                </a:gridCol>
+                <a:gridCol w="3505200">
+                  <a:extLst>
+                    <a:ext uri="{9D8B030D-6E8A-4147-A177-3AD203B41FA5}">
+                      <a16:colId xmlns:a16="http://schemas.microsoft.com/office/drawing/2014/main" val="2436874518"/>
+                    </a:ext>
+                  </a:extLst>
+                </a:gridCol>
+                <a:gridCol w="3505200">
+                  <a:extLst>
+                    <a:ext uri="{9D8B030D-6E8A-4147-A177-3AD203B41FA5}">
+                      <a16:colId xmlns:a16="http://schemas.microsoft.com/office/drawing/2014/main" val="1573117384"/>
+                    </a:ext>
+                  </a:extLst>
+                </a:gridCol>
+              </a:tblGrid>
+              <a:tr h="370840">
+                <a:tc>
+                  <a:txBody>
+                    <a:bodyPr/>
+                    <a:lstStyle/>
+                    <a:p>
+                      <a:r>
+                        <a:rPr lang="en-US" dirty="0"/>
+                        <a:t>Area</a:t>
+                      </a:r>
+                    </a:p>
+                  </a:txBody>
+                  <a:tcPr/>
+                </a:tc>
+                <a:tc>
+                  <a:txBody>
+                    <a:bodyPr/>
+                    <a:lstStyle/>
+                    <a:p>
+                      <a:r>
+                        <a:rPr lang="en-US" dirty="0"/>
+                        <a:t>Snyc</a:t>
+                      </a:r>
+                    </a:p>
+                  </a:txBody>
+                  <a:tcPr/>
+                </a:tc>
+                <a:tc>
+                  <a:txBody>
+                    <a:bodyPr/>
+                    <a:lstStyle/>
+                    <a:p>
+                      <a:r>
+                        <a:rPr lang="en-US" dirty="0"/>
+                        <a:t>Semgrep</a:t>
+                      </a:r>
+                    </a:p>
+                  </a:txBody>
+                  <a:tcPr/>
+                </a:tc>
+                <a:extLst>
+                  <a:ext uri="{0D108BD9-81ED-4DB2-BD59-A6C34878D82A}">
+                    <a16:rowId xmlns:a16="http://schemas.microsoft.com/office/drawing/2014/main" val="3734431674"/>
+                  </a:ext>
+                </a:extLst>
+              </a:tr>
+              <a:tr h="370840">
+                <a:tc>
+                  <a:txBody>
+                    <a:bodyPr/>
+                    <a:lstStyle/>
+                    <a:p>
+                      <a:r>
+                        <a:rPr lang="en-US" dirty="0"/>
+                        <a:t>Open Source CVEs</a:t>
+                      </a:r>
+                    </a:p>
+                  </a:txBody>
+                  <a:tcPr/>
+                </a:tc>
+                <a:tc>
+                  <a:txBody>
+                    <a:bodyPr/>
+                    <a:lstStyle/>
+                    <a:p>
+                      <a:r>
+                        <a:rPr lang="en-US" dirty="0"/>
+                        <a:t>Excellent (CVE, CVSS scoring)</a:t>
+                      </a:r>
+                    </a:p>
+                  </a:txBody>
+                  <a:tcPr/>
+                </a:tc>
+                <a:tc>
+                  <a:txBody>
+                    <a:bodyPr/>
+                    <a:lstStyle/>
+                    <a:p>
+                      <a:r>
+                        <a:rPr lang="en-US" dirty="0"/>
+                        <a:t>No coverage</a:t>
+                      </a:r>
+                    </a:p>
+                  </a:txBody>
+                  <a:tcPr/>
+                </a:tc>
+                <a:extLst>
+                  <a:ext uri="{0D108BD9-81ED-4DB2-BD59-A6C34878D82A}">
+                    <a16:rowId xmlns:a16="http://schemas.microsoft.com/office/drawing/2014/main" val="3059630945"/>
+                  </a:ext>
+                </a:extLst>
+              </a:tr>
+              <a:tr h="370840">
+                <a:tc>
+                  <a:txBody>
+                    <a:bodyPr/>
+                    <a:lstStyle/>
+                    <a:p>
+                      <a:endParaRPr lang="en-US"/>
+                    </a:p>
+                  </a:txBody>
+                  <a:tcPr/>
+                </a:tc>
+                <a:tc>
+                  <a:txBody>
+                    <a:bodyPr/>
+                    <a:lstStyle/>
+                    <a:p>
+                      <a:endParaRPr lang="en-US"/>
+                    </a:p>
+                  </a:txBody>
+                  <a:tcPr/>
+                </a:tc>
+                <a:tc>
+                  <a:txBody>
+                    <a:bodyPr/>
+                    <a:lstStyle/>
+                    <a:p>
+                      <a:endParaRPr lang="en-US"/>
+                    </a:p>
+                  </a:txBody>
+                  <a:tcPr/>
+                </a:tc>
+                <a:extLst>
+                  <a:ext uri="{0D108BD9-81ED-4DB2-BD59-A6C34878D82A}">
+                    <a16:rowId xmlns:a16="http://schemas.microsoft.com/office/drawing/2014/main" val="1357093910"/>
+                  </a:ext>
+                </a:extLst>
+              </a:tr>
+              <a:tr h="370840">
+                <a:tc>
+                  <a:txBody>
+                    <a:bodyPr/>
+                    <a:lstStyle/>
+                    <a:p>
+                      <a:r>
+                        <a:rPr lang="en-US" dirty="0"/>
+                        <a:t>Custom code(Java, etc)</a:t>
+                      </a:r>
+                    </a:p>
+                  </a:txBody>
+                  <a:tcPr/>
+                </a:tc>
+                <a:tc>
+                  <a:txBody>
+                    <a:bodyPr/>
+                    <a:lstStyle/>
+                    <a:p>
+                      <a:r>
+                        <a:rPr lang="en-US" dirty="0"/>
+                        <a:t>No coverage</a:t>
+                      </a:r>
+                    </a:p>
+                  </a:txBody>
+                  <a:tcPr/>
+                </a:tc>
+                <a:tc>
+                  <a:txBody>
+                    <a:bodyPr/>
+                    <a:lstStyle/>
+                    <a:p>
+                      <a:r>
+                        <a:rPr lang="en-US" dirty="0"/>
+                        <a:t>Strong (rules + JavaParser </a:t>
+                      </a:r>
+                      <a:r>
+                        <a:rPr lang="en-US" dirty="0" err="1"/>
+                        <a:t>autofix</a:t>
+                      </a:r>
+                      <a:r>
+                        <a:rPr lang="en-US" dirty="0"/>
+                        <a:t>)</a:t>
+                      </a:r>
+                    </a:p>
+                  </a:txBody>
+                  <a:tcPr/>
+                </a:tc>
+                <a:extLst>
+                  <a:ext uri="{0D108BD9-81ED-4DB2-BD59-A6C34878D82A}">
+                    <a16:rowId xmlns:a16="http://schemas.microsoft.com/office/drawing/2014/main" val="3583262167"/>
+                  </a:ext>
+                </a:extLst>
+              </a:tr>
+              <a:tr h="370840">
+                <a:tc>
+                  <a:txBody>
+                    <a:bodyPr/>
+                    <a:lstStyle/>
+                    <a:p>
+                      <a:r>
+                        <a:rPr lang="en-US" dirty="0"/>
+                        <a:t>Infrastructure (IaC)</a:t>
+                      </a:r>
+                    </a:p>
+                  </a:txBody>
+                  <a:tcPr/>
+                </a:tc>
+                <a:tc>
+                  <a:txBody>
+                    <a:bodyPr/>
+                    <a:lstStyle/>
+                    <a:p>
+                      <a:r>
+                        <a:rPr lang="en-US" dirty="0"/>
+                        <a:t>Terraform, Docker</a:t>
+                      </a:r>
+                    </a:p>
+                  </a:txBody>
+                  <a:tcPr/>
+                </a:tc>
+                <a:tc>
+                  <a:txBody>
+                    <a:bodyPr/>
+                    <a:lstStyle/>
+                    <a:p>
+                      <a:r>
+                        <a:rPr lang="en-US" dirty="0"/>
+                        <a:t>Terraform, K8s YAML, CI/CD config files</a:t>
+                      </a:r>
+                    </a:p>
+                  </a:txBody>
+                  <a:tcPr/>
+                </a:tc>
+                <a:extLst>
+                  <a:ext uri="{0D108BD9-81ED-4DB2-BD59-A6C34878D82A}">
+                    <a16:rowId xmlns:a16="http://schemas.microsoft.com/office/drawing/2014/main" val="1843404196"/>
+                  </a:ext>
+                </a:extLst>
+              </a:tr>
+              <a:tr h="370840">
+                <a:tc>
+                  <a:txBody>
+                    <a:bodyPr/>
+                    <a:lstStyle/>
+                    <a:p>
+                      <a:r>
+                        <a:rPr lang="en-US" dirty="0"/>
+                        <a:t>Secrets Detection</a:t>
+                      </a:r>
+                    </a:p>
+                  </a:txBody>
+                  <a:tcPr/>
+                </a:tc>
+                <a:tc>
+                  <a:txBody>
+                    <a:bodyPr/>
+                    <a:lstStyle/>
+                    <a:p>
+                      <a:r>
+                        <a:rPr lang="en-US" dirty="0"/>
+                        <a:t>Basic (Beta in Snyk Code)</a:t>
+                      </a:r>
+                    </a:p>
+                  </a:txBody>
+                  <a:tcPr/>
+                </a:tc>
+                <a:tc>
+                  <a:txBody>
+                    <a:bodyPr/>
+                    <a:lstStyle/>
+                    <a:p>
+                      <a:r>
+                        <a:rPr lang="en-US" dirty="0"/>
+                        <a:t>Rules-based, customizable secrets detection</a:t>
+                      </a:r>
+                    </a:p>
+                  </a:txBody>
+                  <a:tcPr/>
+                </a:tc>
+                <a:extLst>
+                  <a:ext uri="{0D108BD9-81ED-4DB2-BD59-A6C34878D82A}">
+                    <a16:rowId xmlns:a16="http://schemas.microsoft.com/office/drawing/2014/main" val="3581708355"/>
+                  </a:ext>
+                </a:extLst>
+              </a:tr>
+              <a:tr h="370840">
+                <a:tc>
+                  <a:txBody>
+                    <a:bodyPr/>
+                    <a:lstStyle/>
+                    <a:p>
+                      <a:r>
+                        <a:rPr lang="en-US" dirty="0"/>
+                        <a:t>Fix Strategy</a:t>
+                      </a:r>
+                    </a:p>
+                  </a:txBody>
+                  <a:tcPr/>
+                </a:tc>
+                <a:tc>
+                  <a:txBody>
+                    <a:bodyPr/>
+                    <a:lstStyle/>
+                    <a:p>
+                      <a:r>
+                        <a:rPr lang="en-US" dirty="0"/>
+                        <a:t>Dependency patches</a:t>
+                      </a:r>
+                    </a:p>
+                  </a:txBody>
+                  <a:tcPr/>
+                </a:tc>
+                <a:tc>
+                  <a:txBody>
+                    <a:bodyPr/>
+                    <a:lstStyle/>
+                    <a:p>
+                      <a:r>
+                        <a:rPr lang="en-US" dirty="0"/>
+                        <a:t>Code rewrites using secure patterns</a:t>
+                      </a:r>
+                    </a:p>
+                  </a:txBody>
+                  <a:tcPr/>
+                </a:tc>
+                <a:extLst>
+                  <a:ext uri="{0D108BD9-81ED-4DB2-BD59-A6C34878D82A}">
+                    <a16:rowId xmlns:a16="http://schemas.microsoft.com/office/drawing/2014/main" val="1514471938"/>
+                  </a:ext>
+                </a:extLst>
+              </a:tr>
+            </a:tbl>
+          </a:graphicData>
+        </a:graphic>
+      </p:graphicFrame>
+    </p:spTree>
+    <p:extLst>
+      <p:ext uri="{BB962C8B-B14F-4D97-AF65-F5344CB8AC3E}">
+        <p14:creationId xmlns:p14="http://schemas.microsoft.com/office/powerpoint/2010/main" val="446124235"/>
+      </p:ext>
+    </p:extLst>
+  </p:cSld>
+  <p:clrMapOvr>
+    <a:masterClrMapping/>
+  </p:clrMapOvr>
+</p:sld>
+</file>
+
+<file path=ppt/slides/slide12.xml><?xml version="1.0" encoding="utf-8"?>
+<p:sld xmlns:a="http://schemas.openxmlformats.org/drawingml/2006/main" xmlns:r="http://schemas.openxmlformats.org/officeDocument/2006/relationships" xmlns:p="http://schemas.openxmlformats.org/presentationml/2006/main">
+  <p:cSld>
+    <p:spTree>
+      <p:nvGrpSpPr>
+        <p:cNvPr id="1" name=""/>
+        <p:cNvGrpSpPr/>
+        <p:nvPr/>
+      </p:nvGrpSpPr>
+      <p:grpSpPr>
+        <a:xfrm>
+          <a:off x="0" y="0"/>
+          <a:ext cx="0" cy="0"/>
+          <a:chOff x="0" y="0"/>
+          <a:chExt cx="0" cy="0"/>
+        </a:xfrm>
+      </p:grpSpPr>
+      <p:sp>
+        <p:nvSpPr>
+          <p:cNvPr id="2" name="Title 1">
+            <a:extLst>
+              <a:ext uri="{FF2B5EF4-FFF2-40B4-BE49-F238E27FC236}">
+                <a16:creationId xmlns:a16="http://schemas.microsoft.com/office/drawing/2014/main" id="{767926BA-9C64-4CEA-BD27-7476F44A23D1}"/>
+              </a:ext>
+            </a:extLst>
+          </p:cNvPr>
+          <p:cNvSpPr>
+            <a:spLocks noGrp="1"/>
+          </p:cNvSpPr>
+          <p:nvPr>
+            <p:ph type="title"/>
+          </p:nvPr>
+        </p:nvSpPr>
+        <p:spPr/>
+        <p:txBody>
+          <a:bodyPr/>
+          <a:lstStyle/>
+          <a:p>
+            <a:r>
+              <a:rPr lang="en-US" dirty="0"/>
+              <a:t>Proposed Architecture</a:t>
+            </a:r>
+          </a:p>
+        </p:txBody>
+      </p:sp>
+      <p:pic>
+        <p:nvPicPr>
+          <p:cNvPr id="8" name="Content Placeholder 7">
+            <a:extLst>
+              <a:ext uri="{FF2B5EF4-FFF2-40B4-BE49-F238E27FC236}">
+                <a16:creationId xmlns:a16="http://schemas.microsoft.com/office/drawing/2014/main" id="{B27E81FB-6EE0-4966-A57E-0FF34787536A}"/>
+              </a:ext>
+            </a:extLst>
+          </p:cNvPr>
+          <p:cNvPicPr>
+            <a:picLocks noGrp="1" noChangeAspect="1"/>
+          </p:cNvPicPr>
+          <p:nvPr>
+            <p:ph idx="1"/>
+          </p:nvPr>
+        </p:nvPicPr>
+        <p:blipFill>
+          <a:blip r:embed="rId2"/>
+          <a:stretch>
+            <a:fillRect/>
+          </a:stretch>
+        </p:blipFill>
+        <p:spPr>
+          <a:xfrm>
+            <a:off x="838200" y="1791758"/>
+            <a:ext cx="10083800" cy="4351338"/>
+          </a:xfrm>
+        </p:spPr>
+      </p:pic>
+    </p:spTree>
+    <p:extLst>
+      <p:ext uri="{BB962C8B-B14F-4D97-AF65-F5344CB8AC3E}">
+        <p14:creationId xmlns:p14="http://schemas.microsoft.com/office/powerpoint/2010/main" val="3436162039"/>
+      </p:ext>
+    </p:extLst>
+  </p:cSld>
+  <p:clrMapOvr>
+    <a:masterClrMapping/>
+  </p:clrMapOvr>
+</p:sld>
+</file>
+
+<file path=ppt/slides/slide13.xml><?xml version="1.0" encoding="utf-8"?>
+<p:sld xmlns:a="http://schemas.openxmlformats.org/drawingml/2006/main" xmlns:r="http://schemas.openxmlformats.org/officeDocument/2006/relationships" xmlns:p="http://schemas.openxmlformats.org/presentationml/2006/main">
+  <p:cSld>
+    <p:spTree>
+      <p:nvGrpSpPr>
+        <p:cNvPr id="1" name=""/>
+        <p:cNvGrpSpPr/>
+        <p:nvPr/>
+      </p:nvGrpSpPr>
+      <p:grpSpPr>
+        <a:xfrm>
+          <a:off x="0" y="0"/>
+          <a:ext cx="0" cy="0"/>
+          <a:chOff x="0" y="0"/>
+          <a:chExt cx="0" cy="0"/>
+        </a:xfrm>
+      </p:grpSpPr>
+      <p:pic>
+        <p:nvPicPr>
+          <p:cNvPr id="3" name="Picture 2">
+            <a:extLst>
+              <a:ext uri="{FF2B5EF4-FFF2-40B4-BE49-F238E27FC236}">
+                <a16:creationId xmlns:a16="http://schemas.microsoft.com/office/drawing/2014/main" id="{728538AB-DA34-4B86-BC21-446BFDCC3E6F}"/>
+              </a:ext>
+            </a:extLst>
+          </p:cNvPr>
+          <p:cNvPicPr>
+            <a:picLocks noChangeAspect="1"/>
+          </p:cNvPicPr>
+          <p:nvPr/>
+        </p:nvPicPr>
+        <p:blipFill>
+          <a:blip r:embed="rId2"/>
+          <a:stretch>
+            <a:fillRect/>
+          </a:stretch>
+        </p:blipFill>
+        <p:spPr>
+          <a:xfrm>
+            <a:off x="855134" y="618980"/>
+            <a:ext cx="10574866" cy="5620039"/>
+          </a:xfrm>
+          <a:prstGeom prst="rect">
+            <a:avLst/>
+          </a:prstGeom>
+        </p:spPr>
+      </p:pic>
+    </p:spTree>
+    <p:extLst>
+      <p:ext uri="{BB962C8B-B14F-4D97-AF65-F5344CB8AC3E}">
+        <p14:creationId xmlns:p14="http://schemas.microsoft.com/office/powerpoint/2010/main" val="1148512381"/>
+      </p:ext>
+    </p:extLst>
+  </p:cSld>
+  <p:clrMapOvr>
+    <a:masterClrMapping/>
+  </p:clrMapOvr>
+</p:sld>
+</file>
+
+<file path=ppt/slides/slide14.xml><?xml version="1.0" encoding="utf-8"?>
+<p:sld xmlns:a="http://schemas.openxmlformats.org/drawingml/2006/main" xmlns:r="http://schemas.openxmlformats.org/officeDocument/2006/relationships" xmlns:p="http://schemas.openxmlformats.org/presentationml/2006/main">
+  <p:cSld>
+    <p:spTree>
+      <p:nvGrpSpPr>
+        <p:cNvPr id="1" name=""/>
+        <p:cNvGrpSpPr/>
+        <p:nvPr/>
+      </p:nvGrpSpPr>
+      <p:grpSpPr>
+        <a:xfrm>
+          <a:off x="0" y="0"/>
+          <a:ext cx="0" cy="0"/>
+          <a:chOff x="0" y="0"/>
+          <a:chExt cx="0" cy="0"/>
+        </a:xfrm>
+      </p:grpSpPr>
+      <p:sp>
+        <p:nvSpPr>
+          <p:cNvPr id="2" name="Title 1">
+            <a:extLst>
+              <a:ext uri="{FF2B5EF4-FFF2-40B4-BE49-F238E27FC236}">
+                <a16:creationId xmlns:a16="http://schemas.microsoft.com/office/drawing/2014/main" id="{78828EBD-041E-4FB0-88B3-319175AAD716}"/>
+              </a:ext>
+            </a:extLst>
+          </p:cNvPr>
+          <p:cNvSpPr>
+            <a:spLocks noGrp="1"/>
+          </p:cNvSpPr>
+          <p:nvPr>
+            <p:ph type="title"/>
+          </p:nvPr>
+        </p:nvSpPr>
+        <p:spPr/>
+        <p:txBody>
+          <a:bodyPr/>
+          <a:lstStyle/>
+          <a:p>
+            <a:r>
+              <a:rPr lang="en-US" dirty="0"/>
+              <a:t>Continued..</a:t>
+            </a:r>
+          </a:p>
+        </p:txBody>
+      </p:sp>
+      <p:pic>
+        <p:nvPicPr>
+          <p:cNvPr id="5" name="Content Placeholder 4">
+            <a:extLst>
+              <a:ext uri="{FF2B5EF4-FFF2-40B4-BE49-F238E27FC236}">
+                <a16:creationId xmlns:a16="http://schemas.microsoft.com/office/drawing/2014/main" id="{A472B676-9B88-4963-9477-7B993DC53534}"/>
+              </a:ext>
+            </a:extLst>
+          </p:cNvPr>
+          <p:cNvPicPr>
+            <a:picLocks noGrp="1" noChangeAspect="1"/>
+          </p:cNvPicPr>
+          <p:nvPr>
+            <p:ph idx="1"/>
+          </p:nvPr>
+        </p:nvPicPr>
+        <p:blipFill>
+          <a:blip r:embed="rId2"/>
+          <a:stretch>
+            <a:fillRect/>
+          </a:stretch>
+        </p:blipFill>
+        <p:spPr>
+          <a:xfrm>
+            <a:off x="1109132" y="2759805"/>
+            <a:ext cx="9584267" cy="2482978"/>
+          </a:xfrm>
+        </p:spPr>
+      </p:pic>
+    </p:spTree>
+    <p:extLst>
+      <p:ext uri="{BB962C8B-B14F-4D97-AF65-F5344CB8AC3E}">
+        <p14:creationId xmlns:p14="http://schemas.microsoft.com/office/powerpoint/2010/main" val="1059576131"/>
+      </p:ext>
+    </p:extLst>
+  </p:cSld>
+  <p:clrMapOvr>
+    <a:masterClrMapping/>
+  </p:clrMapOvr>
+</p:sld>
+</file>
+
+<file path=ppt/slides/slide15.xml><?xml version="1.0" encoding="utf-8"?>
+<p:sld xmlns:a="http://schemas.openxmlformats.org/drawingml/2006/main" xmlns:r="http://schemas.openxmlformats.org/officeDocument/2006/relationships" xmlns:p="http://schemas.openxmlformats.org/presentationml/2006/main">
+  <p:cSld>
+    <p:spTree>
+      <p:nvGrpSpPr>
+        <p:cNvPr id="1" name=""/>
+        <p:cNvGrpSpPr/>
+        <p:nvPr/>
+      </p:nvGrpSpPr>
+      <p:grpSpPr>
+        <a:xfrm>
+          <a:off x="0" y="0"/>
+          <a:ext cx="0" cy="0"/>
+          <a:chOff x="0" y="0"/>
+          <a:chExt cx="0" cy="0"/>
+        </a:xfrm>
+      </p:grpSpPr>
+      <p:sp>
+        <p:nvSpPr>
+          <p:cNvPr id="2" name="Title 1">
+            <a:extLst>
+              <a:ext uri="{FF2B5EF4-FFF2-40B4-BE49-F238E27FC236}">
+                <a16:creationId xmlns:a16="http://schemas.microsoft.com/office/drawing/2014/main" id="{36184686-A04A-4362-B659-DAEB586933E7}"/>
+              </a:ext>
+            </a:extLst>
+          </p:cNvPr>
+          <p:cNvSpPr>
+            <a:spLocks noGrp="1"/>
+          </p:cNvSpPr>
+          <p:nvPr>
+            <p:ph type="title"/>
+          </p:nvPr>
+        </p:nvSpPr>
+        <p:spPr/>
+        <p:txBody>
+          <a:bodyPr/>
+          <a:lstStyle/>
+          <a:p>
+            <a:r>
+              <a:rPr lang="en-US" dirty="0"/>
+              <a:t>High-level Steps</a:t>
+            </a:r>
+          </a:p>
+        </p:txBody>
+      </p:sp>
+      <p:graphicFrame>
+        <p:nvGraphicFramePr>
+          <p:cNvPr id="5" name="Table 5">
+            <a:extLst>
+              <a:ext uri="{FF2B5EF4-FFF2-40B4-BE49-F238E27FC236}">
+                <a16:creationId xmlns:a16="http://schemas.microsoft.com/office/drawing/2014/main" id="{0A740FE1-DB2F-427B-B890-67FE19F888A2}"/>
+              </a:ext>
+            </a:extLst>
+          </p:cNvPr>
+          <p:cNvGraphicFramePr>
+            <a:graphicFrameLocks noGrp="1"/>
+          </p:cNvGraphicFramePr>
+          <p:nvPr>
+            <p:ph idx="1"/>
+            <p:extLst>
+              <p:ext uri="{D42A27DB-BD31-4B8C-83A1-F6EECF244321}">
+                <p14:modId xmlns:p14="http://schemas.microsoft.com/office/powerpoint/2010/main" val="423626046"/>
+              </p:ext>
+            </p:extLst>
+          </p:nvPr>
+        </p:nvGraphicFramePr>
+        <p:xfrm>
+          <a:off x="838200" y="1825625"/>
+          <a:ext cx="10515600" cy="2595880"/>
+        </p:xfrm>
+        <a:graphic>
+          <a:graphicData uri="http://schemas.openxmlformats.org/drawingml/2006/table">
+            <a:tbl>
+              <a:tblPr firstRow="1" bandRow="1">
+                <a:tableStyleId>{5C22544A-7EE6-4342-B048-85BDC9FD1C3A}</a:tableStyleId>
+              </a:tblPr>
+              <a:tblGrid>
+                <a:gridCol w="5257800">
+                  <a:extLst>
+                    <a:ext uri="{9D8B030D-6E8A-4147-A177-3AD203B41FA5}">
+                      <a16:colId xmlns:a16="http://schemas.microsoft.com/office/drawing/2014/main" val="1345488630"/>
+                    </a:ext>
+                  </a:extLst>
+                </a:gridCol>
+                <a:gridCol w="5257800">
+                  <a:extLst>
+                    <a:ext uri="{9D8B030D-6E8A-4147-A177-3AD203B41FA5}">
+                      <a16:colId xmlns:a16="http://schemas.microsoft.com/office/drawing/2014/main" val="2954772655"/>
+                    </a:ext>
+                  </a:extLst>
+                </a:gridCol>
+              </a:tblGrid>
+              <a:tr h="370840">
+                <a:tc>
+                  <a:txBody>
+                    <a:bodyPr/>
+                    <a:lstStyle/>
+                    <a:p>
+                      <a:r>
+                        <a:rPr lang="en-US" dirty="0"/>
+                        <a:t>Block</a:t>
+                      </a:r>
+                    </a:p>
+                  </a:txBody>
+                  <a:tcPr/>
+                </a:tc>
+                <a:tc>
+                  <a:txBody>
+                    <a:bodyPr/>
+                    <a:lstStyle/>
+                    <a:p>
+                      <a:r>
+                        <a:rPr lang="en-US" dirty="0"/>
+                        <a:t>Description</a:t>
+                      </a:r>
+                    </a:p>
+                  </a:txBody>
+                  <a:tcPr/>
+                </a:tc>
+                <a:extLst>
+                  <a:ext uri="{0D108BD9-81ED-4DB2-BD59-A6C34878D82A}">
+                    <a16:rowId xmlns:a16="http://schemas.microsoft.com/office/drawing/2014/main" val="1609719168"/>
+                  </a:ext>
+                </a:extLst>
+              </a:tr>
+              <a:tr h="370840">
+                <a:tc>
+                  <a:txBody>
+                    <a:bodyPr/>
+                    <a:lstStyle/>
+                    <a:p>
+                      <a:r>
+                        <a:rPr lang="en-US" dirty="0"/>
+                        <a:t>Source </a:t>
+                      </a:r>
+                    </a:p>
+                  </a:txBody>
+                  <a:tcPr/>
+                </a:tc>
+                <a:tc>
+                  <a:txBody>
+                    <a:bodyPr/>
+                    <a:lstStyle/>
+                    <a:p>
+                      <a:r>
+                        <a:rPr lang="en-US" dirty="0"/>
+                        <a:t>Input repo (can be Java, JavaScript, Terraform, etc.)</a:t>
+                      </a:r>
+                    </a:p>
+                  </a:txBody>
+                  <a:tcPr/>
+                </a:tc>
+                <a:extLst>
+                  <a:ext uri="{0D108BD9-81ED-4DB2-BD59-A6C34878D82A}">
+                    <a16:rowId xmlns:a16="http://schemas.microsoft.com/office/drawing/2014/main" val="198778556"/>
+                  </a:ext>
+                </a:extLst>
+              </a:tr>
+              <a:tr h="370840">
+                <a:tc>
+                  <a:txBody>
+                    <a:bodyPr/>
+                    <a:lstStyle/>
+                    <a:p>
+                      <a:r>
+                        <a:rPr lang="en-US" dirty="0"/>
+                        <a:t>Semgrep</a:t>
+                      </a:r>
+                    </a:p>
+                  </a:txBody>
+                  <a:tcPr/>
+                </a:tc>
+                <a:tc>
+                  <a:txBody>
+                    <a:bodyPr/>
+                    <a:lstStyle/>
+                    <a:p>
+                      <a:r>
+                        <a:rPr lang="en-US" dirty="0"/>
+                        <a:t>Finds SAST issues using code rules</a:t>
+                      </a:r>
+                    </a:p>
+                  </a:txBody>
+                  <a:tcPr/>
+                </a:tc>
+                <a:extLst>
+                  <a:ext uri="{0D108BD9-81ED-4DB2-BD59-A6C34878D82A}">
+                    <a16:rowId xmlns:a16="http://schemas.microsoft.com/office/drawing/2014/main" val="4129008188"/>
+                  </a:ext>
+                </a:extLst>
+              </a:tr>
+              <a:tr h="370840">
+                <a:tc>
+                  <a:txBody>
+                    <a:bodyPr/>
+                    <a:lstStyle/>
+                    <a:p>
+                      <a:r>
+                        <a:rPr lang="en-US" dirty="0"/>
+                        <a:t>Snyk</a:t>
+                      </a:r>
+                    </a:p>
+                  </a:txBody>
+                  <a:tcPr/>
+                </a:tc>
+                <a:tc>
+                  <a:txBody>
+                    <a:bodyPr/>
+                    <a:lstStyle/>
+                    <a:p>
+                      <a:r>
+                        <a:rPr lang="en-US" dirty="0"/>
+                        <a:t>Detects vulnerable libraries or IaC misconfigs</a:t>
+                      </a:r>
+                    </a:p>
+                  </a:txBody>
+                  <a:tcPr/>
+                </a:tc>
+                <a:extLst>
+                  <a:ext uri="{0D108BD9-81ED-4DB2-BD59-A6C34878D82A}">
+                    <a16:rowId xmlns:a16="http://schemas.microsoft.com/office/drawing/2014/main" val="585337490"/>
+                  </a:ext>
+                </a:extLst>
+              </a:tr>
+              <a:tr h="370840">
+                <a:tc>
+                  <a:txBody>
+                    <a:bodyPr/>
+                    <a:lstStyle/>
+                    <a:p>
+                      <a:r>
+                        <a:rPr lang="en-US" dirty="0"/>
+                        <a:t>SonarQube</a:t>
+                      </a:r>
+                    </a:p>
+                  </a:txBody>
+                  <a:tcPr/>
+                </a:tc>
+                <a:tc>
+                  <a:txBody>
+                    <a:bodyPr/>
+                    <a:lstStyle/>
+                    <a:p>
+                      <a:r>
+                        <a:rPr lang="en-US" dirty="0"/>
+                        <a:t>Reports bugs, code smells, and security hotspots</a:t>
+                      </a:r>
+                    </a:p>
+                  </a:txBody>
+                  <a:tcPr/>
+                </a:tc>
+                <a:extLst>
+                  <a:ext uri="{0D108BD9-81ED-4DB2-BD59-A6C34878D82A}">
+                    <a16:rowId xmlns:a16="http://schemas.microsoft.com/office/drawing/2014/main" val="3411751973"/>
+                  </a:ext>
+                </a:extLst>
+              </a:tr>
+              <a:tr h="370840">
+                <a:tc>
+                  <a:txBody>
+                    <a:bodyPr/>
+                    <a:lstStyle/>
+                    <a:p>
+                      <a:r>
+                        <a:rPr lang="en-US" dirty="0"/>
+                        <a:t>Gitleaks</a:t>
+                      </a:r>
+                    </a:p>
+                  </a:txBody>
+                  <a:tcPr/>
+                </a:tc>
+                <a:tc>
+                  <a:txBody>
+                    <a:bodyPr/>
+                    <a:lstStyle/>
+                    <a:p>
+                      <a:r>
+                        <a:rPr lang="en-US" dirty="0"/>
+                        <a:t>Catches hardcoded secrets</a:t>
+                      </a:r>
+                    </a:p>
+                  </a:txBody>
+                  <a:tcPr/>
+                </a:tc>
+                <a:extLst>
+                  <a:ext uri="{0D108BD9-81ED-4DB2-BD59-A6C34878D82A}">
+                    <a16:rowId xmlns:a16="http://schemas.microsoft.com/office/drawing/2014/main" val="3738417616"/>
+                  </a:ext>
+                </a:extLst>
+              </a:tr>
+              <a:tr h="370840">
+                <a:tc>
+                  <a:txBody>
+                    <a:bodyPr/>
+                    <a:lstStyle/>
+                    <a:p>
+                      <a:r>
+                        <a:rPr lang="en-US" dirty="0"/>
+                        <a:t>Fix Engine</a:t>
+                      </a:r>
+                    </a:p>
+                  </a:txBody>
+                  <a:tcPr/>
+                </a:tc>
+                <a:tc>
+                  <a:txBody>
+                    <a:bodyPr/>
+                    <a:lstStyle/>
+                    <a:p>
+                      <a:r>
+                        <a:rPr lang="en-US" dirty="0"/>
+                        <a:t>Auto-PR creation and reviewer alert (Slack, email, etc.)</a:t>
+                      </a:r>
+                    </a:p>
+                  </a:txBody>
+                  <a:tcPr/>
+                </a:tc>
+                <a:extLst>
+                  <a:ext uri="{0D108BD9-81ED-4DB2-BD59-A6C34878D82A}">
+                    <a16:rowId xmlns:a16="http://schemas.microsoft.com/office/drawing/2014/main" val="1345032477"/>
+                  </a:ext>
+                </a:extLst>
+              </a:tr>
+            </a:tbl>
+          </a:graphicData>
+        </a:graphic>
+      </p:graphicFrame>
+    </p:spTree>
+    <p:extLst>
+      <p:ext uri="{BB962C8B-B14F-4D97-AF65-F5344CB8AC3E}">
+        <p14:creationId xmlns:p14="http://schemas.microsoft.com/office/powerpoint/2010/main" val="1738804008"/>
+      </p:ext>
+    </p:extLst>
+  </p:cSld>
+  <p:clrMapOvr>
+    <a:masterClrMapping/>
+  </p:clrMapOvr>
+</p:sld>
+</file>
+
+<file path=ppt/slides/slide16.xml><?xml version="1.0" encoding="utf-8"?>
+<p:sld xmlns:a="http://schemas.openxmlformats.org/drawingml/2006/main" xmlns:r="http://schemas.openxmlformats.org/officeDocument/2006/relationships" xmlns:p="http://schemas.openxmlformats.org/presentationml/2006/main">
+  <p:cSld>
+    <p:spTree>
+      <p:nvGrpSpPr>
+        <p:cNvPr id="1" name=""/>
+        <p:cNvGrpSpPr/>
+        <p:nvPr/>
+      </p:nvGrpSpPr>
+      <p:grpSpPr>
+        <a:xfrm>
+          <a:off x="0" y="0"/>
+          <a:ext cx="0" cy="0"/>
+          <a:chOff x="0" y="0"/>
+          <a:chExt cx="0" cy="0"/>
+        </a:xfrm>
+      </p:grpSpPr>
+      <p:sp>
+        <p:nvSpPr>
+          <p:cNvPr id="2" name="Title 1">
+            <a:extLst>
+              <a:ext uri="{FF2B5EF4-FFF2-40B4-BE49-F238E27FC236}">
                 <a16:creationId xmlns:a16="http://schemas.microsoft.com/office/drawing/2014/main" id="{5D058FAA-80B8-4520-9BB9-247A24B9D8D1}"/>
               </a:ext>
             </a:extLst>
@@ -3956,7 +5593,15 @@
             <a:pPr lvl="1"/>
             <a:r>
               <a:rPr lang="en-US" dirty="0"/>
-              <a:t>Semgrep for code patterns, Snyk for dependencies, GitLeaks for secrets).</a:t>
+              <a:t>Semgrep for code patterns, Snyk for dependencies, </a:t>
+            </a:r>
+            <a:r>
+              <a:rPr lang="en-US" dirty="0" err="1"/>
+              <a:t>GitLeaks</a:t>
+            </a:r>
+            <a:r>
+              <a:rPr lang="en-US" dirty="0"/>
+              <a:t> for secrets.</a:t>
             </a:r>
           </a:p>
           <a:p>
